--- a/소프트웨어 공학 - Final Presentation.pptx
+++ b/소프트웨어 공학 - Final Presentation.pptx
@@ -3454,7 +3454,7 @@
         </p:blipFill>
         <p:spPr>
           <a:xfrm>
-            <a:off x="1580298" y="1898347"/>
+            <a:off x="1570774" y="1898347"/>
             <a:ext cx="1524754" cy="958383"/>
           </a:xfrm>
           <a:prstGeom prst="rect">
@@ -3517,7 +3517,7 @@
         </p:blipFill>
         <p:spPr>
           <a:xfrm>
-            <a:off x="6025415" y="1898347"/>
+            <a:off x="5939701" y="1898347"/>
             <a:ext cx="2034697" cy="958383"/>
           </a:xfrm>
           <a:prstGeom prst="rect">
@@ -3580,7 +3580,7 @@
         </p:blipFill>
         <p:spPr>
           <a:xfrm>
-            <a:off x="10519312" y="1898347"/>
+            <a:off x="10500264" y="1898347"/>
             <a:ext cx="2032021" cy="958383"/>
           </a:xfrm>
           <a:prstGeom prst="rect">
@@ -3682,7 +3682,7 @@
         </p:blipFill>
         <p:spPr>
           <a:xfrm>
-            <a:off x="15152669" y="1898345"/>
+            <a:off x="15105050" y="1898345"/>
             <a:ext cx="1825040" cy="958383"/>
           </a:xfrm>
           <a:prstGeom prst="rect">
@@ -4336,8 +4336,8 @@
         </p:blipFill>
         <p:spPr>
           <a:xfrm>
-            <a:off x="6266668" y="297182"/>
-            <a:ext cx="4695490" cy="632890"/>
+            <a:off x="6266668" y="297181"/>
+            <a:ext cx="3884289" cy="664204"/>
           </a:xfrm>
           <a:prstGeom prst="rect">
             <a:avLst/>
@@ -4604,10 +4604,10 @@
         </p:nvGrpSpPr>
         <p:grpSpPr>
           <a:xfrm>
-            <a:off x="2427287" y="5513764"/>
-            <a:ext cx="4400783" cy="4416438"/>
-            <a:chOff x="2427287" y="5513764"/>
-            <a:chExt cx="4400783" cy="4416438"/>
+            <a:off x="2636799" y="6051129"/>
+            <a:ext cx="3896522" cy="3910384"/>
+            <a:chOff x="2636799" y="6051129"/>
+            <a:chExt cx="3896522" cy="3910384"/>
           </a:xfrm>
         </p:grpSpPr>
         <p:pic>
@@ -4626,8 +4626,8 @@
           </p:blipFill>
           <p:spPr>
             <a:xfrm>
-              <a:off x="2427287" y="5513764"/>
-              <a:ext cx="4400783" cy="4416438"/>
+              <a:off x="2636799" y="6051129"/>
+              <a:ext cx="3896522" cy="3910384"/>
             </a:xfrm>
             <a:prstGeom prst="rect">
               <a:avLst/>
@@ -4635,6 +4635,30 @@
           </p:spPr>
         </p:pic>
       </p:grpSp>
+      <p:pic>
+        <p:nvPicPr>
+          <p:cNvPr id="22" name="Object 21"/>
+          <p:cNvPicPr>
+            <a:picLocks noChangeAspect="1"/>
+          </p:cNvPicPr>
+          <p:nvPr/>
+        </p:nvPicPr>
+        <p:blipFill>
+          <a:blip r:embed="rId12" cstate="print"/>
+          <a:stretch>
+            <a:fillRect/>
+          </a:stretch>
+        </p:blipFill>
+        <p:spPr>
+          <a:xfrm>
+            <a:off x="2991192" y="5412769"/>
+            <a:ext cx="2897662" cy="557719"/>
+          </a:xfrm>
+          <a:prstGeom prst="rect">
+            <a:avLst/>
+          </a:prstGeom>
+        </p:spPr>
+      </p:pic>
     </p:spTree>
   </p:cSld>
   <p:clrMapOvr>
@@ -4684,8 +4708,8 @@
         </p:blipFill>
         <p:spPr>
           <a:xfrm>
-            <a:off x="6266668" y="297182"/>
-            <a:ext cx="4695490" cy="632890"/>
+            <a:off x="6266668" y="297181"/>
+            <a:ext cx="3459680" cy="632889"/>
           </a:xfrm>
           <a:prstGeom prst="rect">
             <a:avLst/>
@@ -4747,7 +4771,7 @@
         </p:blipFill>
         <p:spPr>
           <a:xfrm>
-            <a:off x="-1152087" y="1273942"/>
+            <a:off x="-494273" y="1520029"/>
             <a:ext cx="7509013" cy="1431172"/>
           </a:xfrm>
           <a:prstGeom prst="rect">
@@ -4771,7 +4795,7 @@
         </p:blipFill>
         <p:spPr>
           <a:xfrm>
-            <a:off x="3449623" y="4067902"/>
+            <a:off x="4154404" y="3927002"/>
             <a:ext cx="7509013" cy="1431172"/>
           </a:xfrm>
           <a:prstGeom prst="rect">
@@ -4787,9 +4811,9 @@
         </p:nvGrpSpPr>
         <p:grpSpPr>
           <a:xfrm>
-            <a:off x="725166" y="2836156"/>
+            <a:off x="1382980" y="3082243"/>
             <a:ext cx="3754506" cy="3601261"/>
-            <a:chOff x="725166" y="2836156"/>
+            <a:chOff x="1382980" y="3082243"/>
             <a:chExt cx="3754506" cy="3601261"/>
           </a:xfrm>
         </p:grpSpPr>
@@ -4809,7 +4833,7 @@
           </p:blipFill>
           <p:spPr>
             <a:xfrm>
-              <a:off x="725166" y="2836156"/>
+              <a:off x="1382980" y="3082243"/>
               <a:ext cx="3754506" cy="3601261"/>
             </a:xfrm>
             <a:prstGeom prst="rect">
@@ -4826,9 +4850,9 @@
         </p:nvGrpSpPr>
         <p:grpSpPr>
           <a:xfrm>
-            <a:off x="4664318" y="5563449"/>
+            <a:off x="5369099" y="5422549"/>
             <a:ext cx="5079623" cy="4567392"/>
-            <a:chOff x="4664318" y="5563449"/>
+            <a:chOff x="5369099" y="5422549"/>
             <a:chExt cx="5079623" cy="4567392"/>
           </a:xfrm>
         </p:grpSpPr>
@@ -4848,7 +4872,7 @@
           </p:blipFill>
           <p:spPr>
             <a:xfrm>
-              <a:off x="4664318" y="5563449"/>
+              <a:off x="5369099" y="5422549"/>
               <a:ext cx="5079623" cy="4567392"/>
             </a:xfrm>
             <a:prstGeom prst="rect">
@@ -4865,9 +4889,9 @@
         </p:nvGrpSpPr>
         <p:grpSpPr>
           <a:xfrm>
-            <a:off x="10150986" y="3057143"/>
+            <a:off x="10855767" y="2916243"/>
             <a:ext cx="5994300" cy="2083054"/>
-            <a:chOff x="10150986" y="3057143"/>
+            <a:chOff x="10855767" y="2916243"/>
             <a:chExt cx="5994300" cy="2083054"/>
           </a:xfrm>
         </p:grpSpPr>
@@ -4887,7 +4911,7 @@
           </p:blipFill>
           <p:spPr>
             <a:xfrm>
-              <a:off x="10150986" y="3057143"/>
+              <a:off x="10855767" y="2916243"/>
               <a:ext cx="5994300" cy="2083054"/>
             </a:xfrm>
             <a:prstGeom prst="rect">
@@ -4912,7 +4936,7 @@
         </p:blipFill>
         <p:spPr>
           <a:xfrm>
-            <a:off x="9377974" y="1655953"/>
+            <a:off x="10082755" y="1515053"/>
             <a:ext cx="7509013" cy="1431172"/>
           </a:xfrm>
           <a:prstGeom prst="rect">
@@ -4936,7 +4960,7 @@
         </p:blipFill>
         <p:spPr>
           <a:xfrm>
-            <a:off x="10970632" y="5833706"/>
+            <a:off x="10095615" y="5473628"/>
             <a:ext cx="7509013" cy="1431172"/>
           </a:xfrm>
           <a:prstGeom prst="rect">
@@ -4952,9 +4976,9 @@
         </p:nvGrpSpPr>
         <p:grpSpPr>
           <a:xfrm>
-            <a:off x="12275553" y="7280286"/>
+            <a:off x="11400536" y="6920208"/>
             <a:ext cx="4899171" cy="1947328"/>
-            <a:chOff x="12275553" y="7280286"/>
+            <a:chOff x="11400536" y="6920208"/>
             <a:chExt cx="4899171" cy="1947328"/>
           </a:xfrm>
         </p:grpSpPr>
@@ -4974,7 +4998,7 @@
           </p:blipFill>
           <p:spPr>
             <a:xfrm>
-              <a:off x="12275553" y="7280286"/>
+              <a:off x="11400536" y="6920208"/>
               <a:ext cx="4899171" cy="1947328"/>
             </a:xfrm>
             <a:prstGeom prst="rect">
@@ -5803,30 +5827,6 @@
         </p:blipFill>
         <p:spPr>
           <a:xfrm>
-            <a:off x="3952386" y="3365339"/>
-            <a:ext cx="9106760" cy="2437074"/>
-          </a:xfrm>
-          <a:prstGeom prst="rect">
-            <a:avLst/>
-          </a:prstGeom>
-        </p:spPr>
-      </p:pic>
-      <p:pic>
-        <p:nvPicPr>
-          <p:cNvPr id="6" name="Object 5"/>
-          <p:cNvPicPr>
-            <a:picLocks noChangeAspect="1"/>
-          </p:cNvPicPr>
-          <p:nvPr/>
-        </p:nvPicPr>
-        <p:blipFill>
-          <a:blip r:embed="rId4" cstate="print"/>
-          <a:stretch>
-            <a:fillRect/>
-          </a:stretch>
-        </p:blipFill>
-        <p:spPr>
-          <a:xfrm>
             <a:off x="8220001" y="2540820"/>
             <a:ext cx="1927882" cy="523796"/>
           </a:xfrm>
@@ -5837,14 +5837,14 @@
       </p:pic>
       <p:pic>
         <p:nvPicPr>
-          <p:cNvPr id="7" name="Object 6"/>
-          <p:cNvPicPr>
-            <a:picLocks noChangeAspect="1"/>
-          </p:cNvPicPr>
-          <p:nvPr/>
-        </p:nvPicPr>
-        <p:blipFill>
-          <a:blip r:embed="rId5" cstate="print"/>
+          <p:cNvPr id="6" name="Object 5"/>
+          <p:cNvPicPr>
+            <a:picLocks noChangeAspect="1"/>
+          </p:cNvPicPr>
+          <p:nvPr/>
+        </p:nvPicPr>
+        <p:blipFill>
+          <a:blip r:embed="rId4" cstate="print"/>
           <a:stretch>
             <a:fillRect/>
           </a:stretch>
@@ -5875,14 +5875,14 @@
         </p:grpSpPr>
         <p:pic>
           <p:nvPicPr>
-            <p:cNvPr id="9" name="Object 8"/>
+            <p:cNvPr id="8" name="Object 7"/>
             <p:cNvPicPr>
               <a:picLocks noChangeAspect="1"/>
             </p:cNvPicPr>
             <p:nvPr/>
           </p:nvPicPr>
           <p:blipFill>
-            <a:blip r:embed="rId6" cstate="print"/>
+            <a:blip r:embed="rId5" cstate="print"/>
             <a:stretch>
               <a:fillRect/>
             </a:stretch>
@@ -5900,14 +5900,14 @@
       </p:grpSp>
       <p:pic>
         <p:nvPicPr>
-          <p:cNvPr id="11" name="Object 10"/>
-          <p:cNvPicPr>
-            <a:picLocks noChangeAspect="1"/>
-          </p:cNvPicPr>
-          <p:nvPr/>
-        </p:nvPicPr>
-        <p:blipFill>
-          <a:blip r:embed="rId7" cstate="print"/>
+          <p:cNvPr id="10" name="Object 9"/>
+          <p:cNvPicPr>
+            <a:picLocks noChangeAspect="1"/>
+          </p:cNvPicPr>
+          <p:nvPr/>
+        </p:nvPicPr>
+        <p:blipFill>
+          <a:blip r:embed="rId6" cstate="print"/>
           <a:stretch>
             <a:fillRect/>
           </a:stretch>
@@ -5924,14 +5924,14 @@
       </p:pic>
       <p:pic>
         <p:nvPicPr>
-          <p:cNvPr id="12" name="Object 11"/>
-          <p:cNvPicPr>
-            <a:picLocks noChangeAspect="1"/>
-          </p:cNvPicPr>
-          <p:nvPr/>
-        </p:nvPicPr>
-        <p:blipFill>
-          <a:blip r:embed="rId8" cstate="print"/>
+          <p:cNvPr id="11" name="Object 10"/>
+          <p:cNvPicPr>
+            <a:picLocks noChangeAspect="1"/>
+          </p:cNvPicPr>
+          <p:nvPr/>
+        </p:nvPicPr>
+        <p:blipFill>
+          <a:blip r:embed="rId7" cstate="print"/>
           <a:stretch>
             <a:fillRect/>
           </a:stretch>
@@ -5940,6 +5940,30 @@
           <a:xfrm>
             <a:off x="6909477" y="6389639"/>
             <a:ext cx="2925796" cy="462282"/>
+          </a:xfrm>
+          <a:prstGeom prst="rect">
+            <a:avLst/>
+          </a:prstGeom>
+        </p:spPr>
+      </p:pic>
+      <p:pic>
+        <p:nvPicPr>
+          <p:cNvPr id="12" name="Object 11"/>
+          <p:cNvPicPr>
+            <a:picLocks noChangeAspect="1"/>
+          </p:cNvPicPr>
+          <p:nvPr/>
+        </p:nvPicPr>
+        <p:blipFill>
+          <a:blip r:embed="rId8" cstate="print"/>
+          <a:stretch>
+            <a:fillRect/>
+          </a:stretch>
+        </p:blipFill>
+        <p:spPr>
+          <a:xfrm>
+            <a:off x="3952386" y="3365339"/>
+            <a:ext cx="9106760" cy="2437074"/>
           </a:xfrm>
           <a:prstGeom prst="rect">
             <a:avLst/>
@@ -6682,8 +6706,8 @@
         </p:blipFill>
         <p:spPr>
           <a:xfrm>
-            <a:off x="1765680" y="2556478"/>
-            <a:ext cx="871273" cy="456558"/>
+            <a:off x="1761871" y="2536828"/>
+            <a:ext cx="923901" cy="500558"/>
           </a:xfrm>
           <a:prstGeom prst="rect">
             <a:avLst/>
@@ -6841,8 +6865,8 @@
         </p:blipFill>
         <p:spPr>
           <a:xfrm>
-            <a:off x="7227298" y="6818662"/>
-            <a:ext cx="871139" cy="456558"/>
+            <a:off x="7223489" y="6799012"/>
+            <a:ext cx="969891" cy="500558"/>
           </a:xfrm>
           <a:prstGeom prst="rect">
             <a:avLst/>
@@ -6982,8 +7006,8 @@
         </p:blipFill>
         <p:spPr>
           <a:xfrm>
-            <a:off x="12658474" y="2556478"/>
-            <a:ext cx="871139" cy="456558"/>
+            <a:off x="12654664" y="2536828"/>
+            <a:ext cx="977234" cy="500558"/>
           </a:xfrm>
           <a:prstGeom prst="rect">
             <a:avLst/>
@@ -8236,8 +8260,8 @@
         </p:blipFill>
         <p:spPr>
           <a:xfrm>
-            <a:off x="4177629" y="6931750"/>
-            <a:ext cx="7347075" cy="786751"/>
+            <a:off x="4177629" y="6931753"/>
+            <a:ext cx="7368103" cy="779951"/>
           </a:xfrm>
           <a:prstGeom prst="rect">
             <a:avLst/>

--- a/소프트웨어 공학 - Final Presentation.pptx
+++ b/소프트웨어 공학 - Final Presentation.pptx
@@ -3297,6 +3297,30 @@
           <a:chExt cx="0" cy="0"/>
         </a:xfrm>
       </p:grpSpPr>
+      <p:pic>
+        <p:nvPicPr>
+          <p:cNvPr id="2" name="Object 1"/>
+          <p:cNvPicPr>
+            <a:picLocks noChangeAspect="1"/>
+          </p:cNvPicPr>
+          <p:nvPr/>
+        </p:nvPicPr>
+        <p:blipFill>
+          <a:blip r:embed="rId2" cstate="print"/>
+          <a:stretch>
+            <a:fillRect/>
+          </a:stretch>
+        </p:blipFill>
+        <p:spPr>
+          <a:xfrm>
+            <a:off x="6266668" y="247476"/>
+            <a:ext cx="4708280" cy="664204"/>
+          </a:xfrm>
+          <a:prstGeom prst="rect">
+            <a:avLst/>
+          </a:prstGeom>
+        </p:spPr>
+      </p:pic>
       <p:grpSp>
         <p:nvGrpSpPr>
           <p:cNvPr id="1001" name="그룹 1001"/>
@@ -3305,30 +3329,30 @@
         </p:nvGrpSpPr>
         <p:grpSpPr>
           <a:xfrm>
-            <a:off x="0" y="1207536"/>
-            <a:ext cx="4565297" cy="9109489"/>
-            <a:chOff x="0" y="1207536"/>
-            <a:chExt cx="4565297" cy="9109489"/>
+            <a:off x="-533333" y="1156587"/>
+            <a:ext cx="19352381" cy="47085"/>
+            <a:chOff x="-533333" y="1156587"/>
+            <a:chExt cx="19352381" cy="47085"/>
           </a:xfrm>
         </p:grpSpPr>
         <p:pic>
           <p:nvPicPr>
-            <p:cNvPr id="3" name="Object 2"/>
+            <p:cNvPr id="4" name="Object 3"/>
             <p:cNvPicPr>
               <a:picLocks noChangeAspect="1"/>
             </p:cNvPicPr>
             <p:nvPr/>
           </p:nvPicPr>
           <p:blipFill>
-            <a:blip r:embed="rId2" cstate="print"/>
+            <a:blip r:embed="rId3" cstate="print"/>
             <a:stretch>
               <a:fillRect/>
             </a:stretch>
           </p:blipFill>
           <p:spPr>
             <a:xfrm>
-              <a:off x="0" y="1207536"/>
-              <a:ext cx="4565297" cy="9109489"/>
+              <a:off x="-533333" y="1156587"/>
+              <a:ext cx="19352381" cy="47085"/>
             </a:xfrm>
             <a:prstGeom prst="rect">
               <a:avLst/>
@@ -3336,30 +3360,6 @@
           </p:spPr>
         </p:pic>
       </p:grpSp>
-      <p:pic>
-        <p:nvPicPr>
-          <p:cNvPr id="5" name="Object 4"/>
-          <p:cNvPicPr>
-            <a:picLocks noChangeAspect="1"/>
-          </p:cNvPicPr>
-          <p:nvPr/>
-        </p:nvPicPr>
-        <p:blipFill>
-          <a:blip r:embed="rId3" cstate="print"/>
-          <a:stretch>
-            <a:fillRect/>
-          </a:stretch>
-        </p:blipFill>
-        <p:spPr>
-          <a:xfrm>
-            <a:off x="6266668" y="256999"/>
-            <a:ext cx="5324709" cy="632890"/>
-          </a:xfrm>
-          <a:prstGeom prst="rect">
-            <a:avLst/>
-          </a:prstGeom>
-        </p:spPr>
-      </p:pic>
       <p:grpSp>
         <p:nvGrpSpPr>
           <p:cNvPr id="1002" name="그룹 1002"/>
@@ -3368,10 +3368,10 @@
         </p:nvGrpSpPr>
         <p:grpSpPr>
           <a:xfrm>
-            <a:off x="-533333" y="1156587"/>
-            <a:ext cx="19352381" cy="47085"/>
-            <a:chOff x="-533333" y="1156587"/>
-            <a:chExt cx="19352381" cy="47085"/>
+            <a:off x="982967" y="2959933"/>
+            <a:ext cx="3486007" cy="35192"/>
+            <a:chOff x="982967" y="2959933"/>
+            <a:chExt cx="3486007" cy="35192"/>
           </a:xfrm>
         </p:grpSpPr>
         <p:pic>
@@ -3390,8 +3390,134 @@
           </p:blipFill>
           <p:spPr>
             <a:xfrm>
-              <a:off x="-533333" y="1156587"/>
-              <a:ext cx="19352381" cy="47085"/>
+              <a:off x="982967" y="2959933"/>
+              <a:ext cx="3486007" cy="35192"/>
+            </a:xfrm>
+            <a:prstGeom prst="rect">
+              <a:avLst/>
+            </a:prstGeom>
+          </p:spPr>
+        </p:pic>
+      </p:grpSp>
+      <p:pic>
+        <p:nvPicPr>
+          <p:cNvPr id="9" name="Object 8"/>
+          <p:cNvPicPr>
+            <a:picLocks noChangeAspect="1"/>
+          </p:cNvPicPr>
+          <p:nvPr/>
+        </p:nvPicPr>
+        <p:blipFill>
+          <a:blip r:embed="rId5" cstate="print"/>
+          <a:stretch>
+            <a:fillRect/>
+          </a:stretch>
+        </p:blipFill>
+        <p:spPr>
+          <a:xfrm>
+            <a:off x="1801945" y="1898345"/>
+            <a:ext cx="2058192" cy="958383"/>
+          </a:xfrm>
+          <a:prstGeom prst="rect">
+            <a:avLst/>
+          </a:prstGeom>
+        </p:spPr>
+      </p:pic>
+      <p:grpSp>
+        <p:nvGrpSpPr>
+          <p:cNvPr id="1003" name="그룹 1003"/>
+          <p:cNvGrpSpPr/>
+          <p:nvPr/>
+        </p:nvGrpSpPr>
+        <p:grpSpPr>
+          <a:xfrm>
+            <a:off x="6093085" y="1176225"/>
+            <a:ext cx="6099543" cy="9109489"/>
+            <a:chOff x="6093085" y="1176225"/>
+            <a:chExt cx="6099543" cy="9109489"/>
+          </a:xfrm>
+        </p:grpSpPr>
+        <p:pic>
+          <p:nvPicPr>
+            <p:cNvPr id="11" name="Object 10"/>
+            <p:cNvPicPr>
+              <a:picLocks noChangeAspect="1"/>
+            </p:cNvPicPr>
+            <p:nvPr/>
+          </p:nvPicPr>
+          <p:blipFill>
+            <a:blip r:embed="rId6" cstate="print"/>
+            <a:stretch>
+              <a:fillRect/>
+            </a:stretch>
+          </p:blipFill>
+          <p:spPr>
+            <a:xfrm>
+              <a:off x="6093085" y="1176225"/>
+              <a:ext cx="6099543" cy="9109489"/>
+            </a:xfrm>
+            <a:prstGeom prst="rect">
+              <a:avLst/>
+            </a:prstGeom>
+          </p:spPr>
+        </p:pic>
+      </p:grpSp>
+      <p:pic>
+        <p:nvPicPr>
+          <p:cNvPr id="13" name="Object 12"/>
+          <p:cNvPicPr>
+            <a:picLocks noChangeAspect="1"/>
+          </p:cNvPicPr>
+          <p:nvPr/>
+        </p:nvPicPr>
+        <p:blipFill>
+          <a:blip r:embed="rId7" cstate="print"/>
+          <a:stretch>
+            <a:fillRect/>
+          </a:stretch>
+        </p:blipFill>
+        <p:spPr>
+          <a:xfrm>
+            <a:off x="8151183" y="1898345"/>
+            <a:ext cx="2032021" cy="958383"/>
+          </a:xfrm>
+          <a:prstGeom prst="rect">
+            <a:avLst/>
+          </a:prstGeom>
+        </p:spPr>
+      </p:pic>
+      <p:grpSp>
+        <p:nvGrpSpPr>
+          <p:cNvPr id="1004" name="그룹 1004"/>
+          <p:cNvGrpSpPr/>
+          <p:nvPr/>
+        </p:nvGrpSpPr>
+        <p:grpSpPr>
+          <a:xfrm>
+            <a:off x="7376687" y="2995124"/>
+            <a:ext cx="3486623" cy="35192"/>
+            <a:chOff x="7376687" y="2995124"/>
+            <a:chExt cx="3486623" cy="35192"/>
+          </a:xfrm>
+        </p:grpSpPr>
+        <p:pic>
+          <p:nvPicPr>
+            <p:cNvPr id="15" name="Object 14"/>
+            <p:cNvPicPr>
+              <a:picLocks noChangeAspect="1"/>
+            </p:cNvPicPr>
+            <p:nvPr/>
+          </p:nvPicPr>
+          <p:blipFill>
+            <a:blip r:embed="rId8" cstate="print"/>
+            <a:stretch>
+              <a:fillRect/>
+            </a:stretch>
+          </p:blipFill>
+          <p:spPr>
+            <a:xfrm>
+              <a:off x="7376687" y="2995124"/>
+              <a:ext cx="3486623" cy="35192"/>
             </a:xfrm>
             <a:prstGeom prst="rect">
               <a:avLst/>
@@ -3401,142 +3527,16 @@
       </p:grpSp>
       <p:grpSp>
         <p:nvGrpSpPr>
-          <p:cNvPr id="1003" name="그룹 1003"/>
+          <p:cNvPr id="1005" name="그룹 1005"/>
           <p:cNvGrpSpPr/>
           <p:nvPr/>
         </p:nvGrpSpPr>
         <p:grpSpPr>
           <a:xfrm>
-            <a:off x="5206435" y="2959933"/>
+            <a:off x="13504595" y="2977531"/>
             <a:ext cx="3486007" cy="35192"/>
-            <a:chOff x="5206435" y="2959933"/>
+            <a:chOff x="13504595" y="2977531"/>
             <a:chExt cx="3486007" cy="35192"/>
-          </a:xfrm>
-        </p:grpSpPr>
-        <p:pic>
-          <p:nvPicPr>
-            <p:cNvPr id="10" name="Object 9"/>
-            <p:cNvPicPr>
-              <a:picLocks noChangeAspect="1"/>
-            </p:cNvPicPr>
-            <p:nvPr/>
-          </p:nvPicPr>
-          <p:blipFill>
-            <a:blip r:embed="rId5" cstate="print"/>
-            <a:stretch>
-              <a:fillRect/>
-            </a:stretch>
-          </p:blipFill>
-          <p:spPr>
-            <a:xfrm>
-              <a:off x="5206435" y="2959933"/>
-              <a:ext cx="3486007" cy="35192"/>
-            </a:xfrm>
-            <a:prstGeom prst="rect">
-              <a:avLst/>
-            </a:prstGeom>
-          </p:spPr>
-        </p:pic>
-      </p:grpSp>
-      <p:pic>
-        <p:nvPicPr>
-          <p:cNvPr id="12" name="Object 11"/>
-          <p:cNvPicPr>
-            <a:picLocks noChangeAspect="1"/>
-          </p:cNvPicPr>
-          <p:nvPr/>
-        </p:nvPicPr>
-        <p:blipFill>
-          <a:blip r:embed="rId6" cstate="print"/>
-          <a:stretch>
-            <a:fillRect/>
-          </a:stretch>
-        </p:blipFill>
-        <p:spPr>
-          <a:xfrm>
-            <a:off x="1570774" y="1898347"/>
-            <a:ext cx="1524754" cy="958383"/>
-          </a:xfrm>
-          <a:prstGeom prst="rect">
-            <a:avLst/>
-          </a:prstGeom>
-        </p:spPr>
-      </p:pic>
-      <p:grpSp>
-        <p:nvGrpSpPr>
-          <p:cNvPr id="1004" name="그룹 1004"/>
-          <p:cNvGrpSpPr/>
-          <p:nvPr/>
-        </p:nvGrpSpPr>
-        <p:grpSpPr>
-          <a:xfrm>
-            <a:off x="539337" y="2959933"/>
-            <a:ext cx="3486623" cy="35192"/>
-            <a:chOff x="539337" y="2959933"/>
-            <a:chExt cx="3486623" cy="35192"/>
-          </a:xfrm>
-        </p:grpSpPr>
-        <p:pic>
-          <p:nvPicPr>
-            <p:cNvPr id="14" name="Object 13"/>
-            <p:cNvPicPr>
-              <a:picLocks noChangeAspect="1"/>
-            </p:cNvPicPr>
-            <p:nvPr/>
-          </p:nvPicPr>
-          <p:blipFill>
-            <a:blip r:embed="rId7" cstate="print"/>
-            <a:stretch>
-              <a:fillRect/>
-            </a:stretch>
-          </p:blipFill>
-          <p:spPr>
-            <a:xfrm>
-              <a:off x="539337" y="2959933"/>
-              <a:ext cx="3486623" cy="35192"/>
-            </a:xfrm>
-            <a:prstGeom prst="rect">
-              <a:avLst/>
-            </a:prstGeom>
-          </p:spPr>
-        </p:pic>
-      </p:grpSp>
-      <p:pic>
-        <p:nvPicPr>
-          <p:cNvPr id="16" name="Object 15"/>
-          <p:cNvPicPr>
-            <a:picLocks noChangeAspect="1"/>
-          </p:cNvPicPr>
-          <p:nvPr/>
-        </p:nvPicPr>
-        <p:blipFill>
-          <a:blip r:embed="rId8" cstate="print"/>
-          <a:stretch>
-            <a:fillRect/>
-          </a:stretch>
-        </p:blipFill>
-        <p:spPr>
-          <a:xfrm>
-            <a:off x="5939701" y="1898347"/>
-            <a:ext cx="2034697" cy="958383"/>
-          </a:xfrm>
-          <a:prstGeom prst="rect">
-            <a:avLst/>
-          </a:prstGeom>
-        </p:spPr>
-      </p:pic>
-      <p:grpSp>
-        <p:nvGrpSpPr>
-          <p:cNvPr id="1005" name="그룹 1005"/>
-          <p:cNvGrpSpPr/>
-          <p:nvPr/>
-        </p:nvGrpSpPr>
-        <p:grpSpPr>
-          <a:xfrm>
-            <a:off x="9205479" y="1176225"/>
-            <a:ext cx="4565297" cy="9109489"/>
-            <a:chOff x="9205479" y="1176225"/>
-            <a:chExt cx="4565297" cy="9109489"/>
           </a:xfrm>
         </p:grpSpPr>
         <p:pic>
@@ -3555,8 +3555,8 @@
           </p:blipFill>
           <p:spPr>
             <a:xfrm>
-              <a:off x="9205479" y="1176225"/>
-              <a:ext cx="4565297" cy="9109489"/>
+              <a:off x="13504595" y="2977531"/>
+              <a:ext cx="3486007" cy="35192"/>
             </a:xfrm>
             <a:prstGeom prst="rect">
               <a:avLst/>
@@ -3580,8 +3580,8 @@
         </p:blipFill>
         <p:spPr>
           <a:xfrm>
-            <a:off x="10500264" y="1898347"/>
-            <a:ext cx="2032021" cy="958383"/>
+            <a:off x="14275956" y="1898347"/>
+            <a:ext cx="1825040" cy="958383"/>
           </a:xfrm>
           <a:prstGeom prst="rect">
             <a:avLst/>
@@ -3596,10 +3596,10 @@
         </p:nvGrpSpPr>
         <p:grpSpPr>
           <a:xfrm>
-            <a:off x="9744816" y="2995124"/>
-            <a:ext cx="3486623" cy="35192"/>
-            <a:chOff x="9744816" y="2995124"/>
-            <a:chExt cx="3486623" cy="35192"/>
+            <a:off x="13504595" y="3348094"/>
+            <a:ext cx="3486007" cy="6457513"/>
+            <a:chOff x="13504595" y="3348094"/>
+            <a:chExt cx="3486007" cy="6457513"/>
           </a:xfrm>
         </p:grpSpPr>
         <p:pic>
@@ -3618,8 +3618,8 @@
           </p:blipFill>
           <p:spPr>
             <a:xfrm>
-              <a:off x="9744816" y="2995124"/>
-              <a:ext cx="3486623" cy="35192"/>
+              <a:off x="13504595" y="3348094"/>
+              <a:ext cx="3486007" cy="6457513"/>
             </a:xfrm>
             <a:prstGeom prst="rect">
               <a:avLst/>
@@ -3635,10 +3635,10 @@
         </p:nvGrpSpPr>
         <p:grpSpPr>
           <a:xfrm>
-            <a:off x="14381307" y="2977528"/>
-            <a:ext cx="3486007" cy="35192"/>
-            <a:chOff x="14381307" y="2977528"/>
-            <a:chExt cx="3486007" cy="35192"/>
+            <a:off x="7399546" y="3348094"/>
+            <a:ext cx="3486623" cy="4433735"/>
+            <a:chOff x="7399546" y="3348094"/>
+            <a:chExt cx="3486623" cy="4433735"/>
           </a:xfrm>
         </p:grpSpPr>
         <p:pic>
@@ -3657,71 +3657,8 @@
           </p:blipFill>
           <p:spPr>
             <a:xfrm>
-              <a:off x="14381307" y="2977528"/>
-              <a:ext cx="3486007" cy="35192"/>
-            </a:xfrm>
-            <a:prstGeom prst="rect">
-              <a:avLst/>
-            </a:prstGeom>
-          </p:spPr>
-        </p:pic>
-      </p:grpSp>
-      <p:pic>
-        <p:nvPicPr>
-          <p:cNvPr id="27" name="Object 26"/>
-          <p:cNvPicPr>
-            <a:picLocks noChangeAspect="1"/>
-          </p:cNvPicPr>
-          <p:nvPr/>
-        </p:nvPicPr>
-        <p:blipFill>
-          <a:blip r:embed="rId13" cstate="print"/>
-          <a:stretch>
-            <a:fillRect/>
-          </a:stretch>
-        </p:blipFill>
-        <p:spPr>
-          <a:xfrm>
-            <a:off x="15105050" y="1898345"/>
-            <a:ext cx="1825040" cy="958383"/>
-          </a:xfrm>
-          <a:prstGeom prst="rect">
-            <a:avLst/>
-          </a:prstGeom>
-        </p:spPr>
-      </p:pic>
-      <p:grpSp>
-        <p:nvGrpSpPr>
-          <p:cNvPr id="1008" name="그룹 1008"/>
-          <p:cNvGrpSpPr/>
-          <p:nvPr/>
-        </p:nvGrpSpPr>
-        <p:grpSpPr>
-          <a:xfrm>
-            <a:off x="4938797" y="3444861"/>
-            <a:ext cx="3928654" cy="2988947"/>
-            <a:chOff x="4938797" y="3444861"/>
-            <a:chExt cx="3928654" cy="2988947"/>
-          </a:xfrm>
-        </p:grpSpPr>
-        <p:pic>
-          <p:nvPicPr>
-            <p:cNvPr id="29" name="Object 28"/>
-            <p:cNvPicPr>
-              <a:picLocks noChangeAspect="1"/>
-            </p:cNvPicPr>
-            <p:nvPr/>
-          </p:nvPicPr>
-          <p:blipFill>
-            <a:blip r:embed="rId14" cstate="print"/>
-            <a:stretch>
-              <a:fillRect/>
-            </a:stretch>
-          </p:blipFill>
-          <p:spPr>
-            <a:xfrm>
-              <a:off x="4938797" y="3444861"/>
-              <a:ext cx="3928654" cy="2988947"/>
+              <a:off x="7399546" y="3348094"/>
+              <a:ext cx="3486623" cy="4433735"/>
             </a:xfrm>
             <a:prstGeom prst="rect">
               <a:avLst/>
@@ -3731,114 +3668,36 @@
       </p:grpSp>
       <p:grpSp>
         <p:nvGrpSpPr>
-          <p:cNvPr id="1009" name="그룹 1009"/>
+          <p:cNvPr id="1008" name="그룹 1008"/>
           <p:cNvGrpSpPr/>
           <p:nvPr/>
         </p:nvGrpSpPr>
         <p:grpSpPr>
           <a:xfrm>
-            <a:off x="9534796" y="3444861"/>
-            <a:ext cx="3944759" cy="2416306"/>
-            <a:chOff x="9534796" y="3444861"/>
-            <a:chExt cx="3944759" cy="2416306"/>
+            <a:off x="982967" y="3348094"/>
+            <a:ext cx="3486007" cy="2845506"/>
+            <a:chOff x="982967" y="3348094"/>
+            <a:chExt cx="3486007" cy="2845506"/>
           </a:xfrm>
         </p:grpSpPr>
         <p:pic>
           <p:nvPicPr>
-            <p:cNvPr id="32" name="Object 31"/>
+            <p:cNvPr id="28" name="Object 27"/>
             <p:cNvPicPr>
               <a:picLocks noChangeAspect="1"/>
             </p:cNvPicPr>
             <p:nvPr/>
           </p:nvPicPr>
           <p:blipFill>
-            <a:blip r:embed="rId15" cstate="print"/>
+            <a:blip r:embed="rId13" cstate="print"/>
             <a:stretch>
               <a:fillRect/>
             </a:stretch>
           </p:blipFill>
           <p:spPr>
             <a:xfrm>
-              <a:off x="9534796" y="3444861"/>
-              <a:ext cx="3944759" cy="2416306"/>
-            </a:xfrm>
-            <a:prstGeom prst="rect">
-              <a:avLst/>
-            </a:prstGeom>
-          </p:spPr>
-        </p:pic>
-      </p:grpSp>
-      <p:grpSp>
-        <p:nvGrpSpPr>
-          <p:cNvPr id="1010" name="그룹 1010"/>
-          <p:cNvGrpSpPr/>
-          <p:nvPr/>
-        </p:nvGrpSpPr>
-        <p:grpSpPr>
-          <a:xfrm>
-            <a:off x="14237981" y="3413764"/>
-            <a:ext cx="3772660" cy="4477856"/>
-            <a:chOff x="14237981" y="3413764"/>
-            <a:chExt cx="3772660" cy="4477856"/>
-          </a:xfrm>
-        </p:grpSpPr>
-        <p:pic>
-          <p:nvPicPr>
-            <p:cNvPr id="35" name="Object 34"/>
-            <p:cNvPicPr>
-              <a:picLocks noChangeAspect="1"/>
-            </p:cNvPicPr>
-            <p:nvPr/>
-          </p:nvPicPr>
-          <p:blipFill>
-            <a:blip r:embed="rId16" cstate="print"/>
-            <a:stretch>
-              <a:fillRect/>
-            </a:stretch>
-          </p:blipFill>
-          <p:spPr>
-            <a:xfrm>
-              <a:off x="14237981" y="3413764"/>
-              <a:ext cx="3772660" cy="4477856"/>
-            </a:xfrm>
-            <a:prstGeom prst="rect">
-              <a:avLst/>
-            </a:prstGeom>
-          </p:spPr>
-        </p:pic>
-      </p:grpSp>
-      <p:grpSp>
-        <p:nvGrpSpPr>
-          <p:cNvPr id="1011" name="그룹 1011"/>
-          <p:cNvGrpSpPr/>
-          <p:nvPr/>
-        </p:nvGrpSpPr>
-        <p:grpSpPr>
-          <a:xfrm>
-            <a:off x="342812" y="3444861"/>
-            <a:ext cx="3879673" cy="3158672"/>
-            <a:chOff x="342812" y="3444861"/>
-            <a:chExt cx="3879673" cy="3158672"/>
-          </a:xfrm>
-        </p:grpSpPr>
-        <p:pic>
-          <p:nvPicPr>
-            <p:cNvPr id="38" name="Object 37"/>
-            <p:cNvPicPr>
-              <a:picLocks noChangeAspect="1"/>
-            </p:cNvPicPr>
-            <p:nvPr/>
-          </p:nvPicPr>
-          <p:blipFill>
-            <a:blip r:embed="rId17" cstate="print"/>
-            <a:stretch>
-              <a:fillRect/>
-            </a:stretch>
-          </p:blipFill>
-          <p:spPr>
-            <a:xfrm>
-              <a:off x="342812" y="3444861"/>
-              <a:ext cx="3879673" cy="3158672"/>
+              <a:off x="982967" y="3348094"/>
+              <a:ext cx="3486007" cy="2845506"/>
             </a:xfrm>
             <a:prstGeom prst="rect">
               <a:avLst/>
@@ -3879,30 +3738,6 @@
           <a:chExt cx="0" cy="0"/>
         </a:xfrm>
       </p:grpSpPr>
-      <p:pic>
-        <p:nvPicPr>
-          <p:cNvPr id="2" name="Object 1"/>
-          <p:cNvPicPr>
-            <a:picLocks noChangeAspect="1"/>
-          </p:cNvPicPr>
-          <p:nvPr/>
-        </p:nvPicPr>
-        <p:blipFill>
-          <a:blip r:embed="rId2" cstate="print"/>
-          <a:stretch>
-            <a:fillRect/>
-          </a:stretch>
-        </p:blipFill>
-        <p:spPr>
-          <a:xfrm>
-            <a:off x="6266668" y="247476"/>
-            <a:ext cx="4708280" cy="664204"/>
-          </a:xfrm>
-          <a:prstGeom prst="rect">
-            <a:avLst/>
-          </a:prstGeom>
-        </p:spPr>
-      </p:pic>
       <p:grpSp>
         <p:nvGrpSpPr>
           <p:cNvPr id="1001" name="그룹 1001"/>
@@ -3911,22 +3746,85 @@
         </p:nvGrpSpPr>
         <p:grpSpPr>
           <a:xfrm>
-            <a:off x="-533333" y="1156587"/>
-            <a:ext cx="19352381" cy="47085"/>
-            <a:chOff x="-533333" y="1156587"/>
-            <a:chExt cx="19352381" cy="47085"/>
+            <a:off x="0" y="1207536"/>
+            <a:ext cx="4565297" cy="9109489"/>
+            <a:chOff x="0" y="1207536"/>
+            <a:chExt cx="4565297" cy="9109489"/>
           </a:xfrm>
         </p:grpSpPr>
         <p:pic>
           <p:nvPicPr>
-            <p:cNvPr id="4" name="Object 3"/>
+            <p:cNvPr id="3" name="Object 2"/>
             <p:cNvPicPr>
               <a:picLocks noChangeAspect="1"/>
             </p:cNvPicPr>
             <p:nvPr/>
           </p:nvPicPr>
           <p:blipFill>
-            <a:blip r:embed="rId3" cstate="print"/>
+            <a:blip r:embed="rId2" cstate="print"/>
+            <a:stretch>
+              <a:fillRect/>
+            </a:stretch>
+          </p:blipFill>
+          <p:spPr>
+            <a:xfrm>
+              <a:off x="0" y="1207536"/>
+              <a:ext cx="4565297" cy="9109489"/>
+            </a:xfrm>
+            <a:prstGeom prst="rect">
+              <a:avLst/>
+            </a:prstGeom>
+          </p:spPr>
+        </p:pic>
+      </p:grpSp>
+      <p:pic>
+        <p:nvPicPr>
+          <p:cNvPr id="5" name="Object 4"/>
+          <p:cNvPicPr>
+            <a:picLocks noChangeAspect="1"/>
+          </p:cNvPicPr>
+          <p:nvPr/>
+        </p:nvPicPr>
+        <p:blipFill>
+          <a:blip r:embed="rId3" cstate="print"/>
+          <a:stretch>
+            <a:fillRect/>
+          </a:stretch>
+        </p:blipFill>
+        <p:spPr>
+          <a:xfrm>
+            <a:off x="6266668" y="256999"/>
+            <a:ext cx="5324709" cy="632890"/>
+          </a:xfrm>
+          <a:prstGeom prst="rect">
+            <a:avLst/>
+          </a:prstGeom>
+        </p:spPr>
+      </p:pic>
+      <p:grpSp>
+        <p:nvGrpSpPr>
+          <p:cNvPr id="1002" name="그룹 1002"/>
+          <p:cNvGrpSpPr/>
+          <p:nvPr/>
+        </p:nvGrpSpPr>
+        <p:grpSpPr>
+          <a:xfrm>
+            <a:off x="-533333" y="1156587"/>
+            <a:ext cx="19352381" cy="47085"/>
+            <a:chOff x="-533333" y="1156587"/>
+            <a:chExt cx="19352381" cy="47085"/>
+          </a:xfrm>
+        </p:grpSpPr>
+        <p:pic>
+          <p:nvPicPr>
+            <p:cNvPr id="7" name="Object 6"/>
+            <p:cNvPicPr>
+              <a:picLocks noChangeAspect="1"/>
+            </p:cNvPicPr>
+            <p:nvPr/>
+          </p:nvPicPr>
+          <p:blipFill>
+            <a:blip r:embed="rId4" cstate="print"/>
             <a:stretch>
               <a:fillRect/>
             </a:stretch>
@@ -3944,35 +3842,35 @@
       </p:grpSp>
       <p:grpSp>
         <p:nvGrpSpPr>
-          <p:cNvPr id="1002" name="그룹 1002"/>
+          <p:cNvPr id="1003" name="그룹 1003"/>
           <p:cNvGrpSpPr/>
           <p:nvPr/>
         </p:nvGrpSpPr>
         <p:grpSpPr>
           <a:xfrm>
-            <a:off x="982967" y="2959933"/>
+            <a:off x="5206435" y="2959933"/>
             <a:ext cx="3486007" cy="35192"/>
-            <a:chOff x="982967" y="2959933"/>
+            <a:chOff x="5206435" y="2959933"/>
             <a:chExt cx="3486007" cy="35192"/>
           </a:xfrm>
         </p:grpSpPr>
         <p:pic>
           <p:nvPicPr>
-            <p:cNvPr id="7" name="Object 6"/>
+            <p:cNvPr id="10" name="Object 9"/>
             <p:cNvPicPr>
               <a:picLocks noChangeAspect="1"/>
             </p:cNvPicPr>
             <p:nvPr/>
           </p:nvPicPr>
           <p:blipFill>
-            <a:blip r:embed="rId4" cstate="print"/>
+            <a:blip r:embed="rId5" cstate="print"/>
             <a:stretch>
               <a:fillRect/>
             </a:stretch>
           </p:blipFill>
           <p:spPr>
             <a:xfrm>
-              <a:off x="982967" y="2959933"/>
+              <a:off x="5206435" y="2959933"/>
               <a:ext cx="3486007" cy="35192"/>
             </a:xfrm>
             <a:prstGeom prst="rect">
@@ -3983,22 +3881,22 @@
       </p:grpSp>
       <p:pic>
         <p:nvPicPr>
-          <p:cNvPr id="9" name="Object 8"/>
-          <p:cNvPicPr>
-            <a:picLocks noChangeAspect="1"/>
-          </p:cNvPicPr>
-          <p:nvPr/>
-        </p:nvPicPr>
-        <p:blipFill>
-          <a:blip r:embed="rId5" cstate="print"/>
-          <a:stretch>
-            <a:fillRect/>
-          </a:stretch>
-        </p:blipFill>
-        <p:spPr>
-          <a:xfrm>
-            <a:off x="1801945" y="1898345"/>
-            <a:ext cx="2058192" cy="958383"/>
+          <p:cNvPr id="12" name="Object 11"/>
+          <p:cNvPicPr>
+            <a:picLocks noChangeAspect="1"/>
+          </p:cNvPicPr>
+          <p:nvPr/>
+        </p:nvPicPr>
+        <p:blipFill>
+          <a:blip r:embed="rId6" cstate="print"/>
+          <a:stretch>
+            <a:fillRect/>
+          </a:stretch>
+        </p:blipFill>
+        <p:spPr>
+          <a:xfrm>
+            <a:off x="1570774" y="1898347"/>
+            <a:ext cx="1524754" cy="958383"/>
           </a:xfrm>
           <a:prstGeom prst="rect">
             <a:avLst/>
@@ -4007,98 +3905,35 @@
       </p:pic>
       <p:grpSp>
         <p:nvGrpSpPr>
-          <p:cNvPr id="1003" name="그룹 1003"/>
+          <p:cNvPr id="1004" name="그룹 1004"/>
           <p:cNvGrpSpPr/>
           <p:nvPr/>
         </p:nvGrpSpPr>
         <p:grpSpPr>
           <a:xfrm>
-            <a:off x="6093085" y="1176225"/>
-            <a:ext cx="6099543" cy="9109489"/>
-            <a:chOff x="6093085" y="1176225"/>
-            <a:chExt cx="6099543" cy="9109489"/>
+            <a:off x="539337" y="2959933"/>
+            <a:ext cx="3486623" cy="35192"/>
+            <a:chOff x="539337" y="2959933"/>
+            <a:chExt cx="3486623" cy="35192"/>
           </a:xfrm>
         </p:grpSpPr>
         <p:pic>
           <p:nvPicPr>
-            <p:cNvPr id="11" name="Object 10"/>
+            <p:cNvPr id="14" name="Object 13"/>
             <p:cNvPicPr>
               <a:picLocks noChangeAspect="1"/>
             </p:cNvPicPr>
             <p:nvPr/>
           </p:nvPicPr>
           <p:blipFill>
-            <a:blip r:embed="rId6" cstate="print"/>
+            <a:blip r:embed="rId7" cstate="print"/>
             <a:stretch>
               <a:fillRect/>
             </a:stretch>
           </p:blipFill>
           <p:spPr>
             <a:xfrm>
-              <a:off x="6093085" y="1176225"/>
-              <a:ext cx="6099543" cy="9109489"/>
-            </a:xfrm>
-            <a:prstGeom prst="rect">
-              <a:avLst/>
-            </a:prstGeom>
-          </p:spPr>
-        </p:pic>
-      </p:grpSp>
-      <p:pic>
-        <p:nvPicPr>
-          <p:cNvPr id="13" name="Object 12"/>
-          <p:cNvPicPr>
-            <a:picLocks noChangeAspect="1"/>
-          </p:cNvPicPr>
-          <p:nvPr/>
-        </p:nvPicPr>
-        <p:blipFill>
-          <a:blip r:embed="rId7" cstate="print"/>
-          <a:stretch>
-            <a:fillRect/>
-          </a:stretch>
-        </p:blipFill>
-        <p:spPr>
-          <a:xfrm>
-            <a:off x="8151183" y="1898345"/>
-            <a:ext cx="2032021" cy="958383"/>
-          </a:xfrm>
-          <a:prstGeom prst="rect">
-            <a:avLst/>
-          </a:prstGeom>
-        </p:spPr>
-      </p:pic>
-      <p:grpSp>
-        <p:nvGrpSpPr>
-          <p:cNvPr id="1004" name="그룹 1004"/>
-          <p:cNvGrpSpPr/>
-          <p:nvPr/>
-        </p:nvGrpSpPr>
-        <p:grpSpPr>
-          <a:xfrm>
-            <a:off x="7376687" y="2995124"/>
-            <a:ext cx="3486623" cy="35192"/>
-            <a:chOff x="7376687" y="2995124"/>
-            <a:chExt cx="3486623" cy="35192"/>
-          </a:xfrm>
-        </p:grpSpPr>
-        <p:pic>
-          <p:nvPicPr>
-            <p:cNvPr id="15" name="Object 14"/>
-            <p:cNvPicPr>
-              <a:picLocks noChangeAspect="1"/>
-            </p:cNvPicPr>
-            <p:nvPr/>
-          </p:nvPicPr>
-          <p:blipFill>
-            <a:blip r:embed="rId8" cstate="print"/>
-            <a:stretch>
-              <a:fillRect/>
-            </a:stretch>
-          </p:blipFill>
-          <p:spPr>
-            <a:xfrm>
-              <a:off x="7376687" y="2995124"/>
+              <a:off x="539337" y="2959933"/>
               <a:ext cx="3486623" cy="35192"/>
             </a:xfrm>
             <a:prstGeom prst="rect">
@@ -4107,6 +3942,30 @@
           </p:spPr>
         </p:pic>
       </p:grpSp>
+      <p:pic>
+        <p:nvPicPr>
+          <p:cNvPr id="16" name="Object 15"/>
+          <p:cNvPicPr>
+            <a:picLocks noChangeAspect="1"/>
+          </p:cNvPicPr>
+          <p:nvPr/>
+        </p:nvPicPr>
+        <p:blipFill>
+          <a:blip r:embed="rId8" cstate="print"/>
+          <a:stretch>
+            <a:fillRect/>
+          </a:stretch>
+        </p:blipFill>
+        <p:spPr>
+          <a:xfrm>
+            <a:off x="5939701" y="1898347"/>
+            <a:ext cx="2034697" cy="958383"/>
+          </a:xfrm>
+          <a:prstGeom prst="rect">
+            <a:avLst/>
+          </a:prstGeom>
+        </p:spPr>
+      </p:pic>
       <p:grpSp>
         <p:nvGrpSpPr>
           <p:cNvPr id="1005" name="그룹 1005"/>
@@ -4115,10 +3974,10 @@
         </p:nvGrpSpPr>
         <p:grpSpPr>
           <a:xfrm>
-            <a:off x="13504595" y="2977531"/>
-            <a:ext cx="3486007" cy="35192"/>
-            <a:chOff x="13504595" y="2977531"/>
-            <a:chExt cx="3486007" cy="35192"/>
+            <a:off x="9205479" y="1176225"/>
+            <a:ext cx="4565297" cy="9109489"/>
+            <a:chOff x="9205479" y="1176225"/>
+            <a:chExt cx="4565297" cy="9109489"/>
           </a:xfrm>
         </p:grpSpPr>
         <p:pic>
@@ -4137,8 +3996,8 @@
           </p:blipFill>
           <p:spPr>
             <a:xfrm>
-              <a:off x="13504595" y="2977531"/>
-              <a:ext cx="3486007" cy="35192"/>
+              <a:off x="9205479" y="1176225"/>
+              <a:ext cx="4565297" cy="9109489"/>
             </a:xfrm>
             <a:prstGeom prst="rect">
               <a:avLst/>
@@ -4162,8 +4021,8 @@
         </p:blipFill>
         <p:spPr>
           <a:xfrm>
-            <a:off x="14275956" y="1898347"/>
-            <a:ext cx="1825040" cy="958383"/>
+            <a:off x="10500264" y="1898347"/>
+            <a:ext cx="2032021" cy="958383"/>
           </a:xfrm>
           <a:prstGeom prst="rect">
             <a:avLst/>
@@ -4178,10 +4037,10 @@
         </p:nvGrpSpPr>
         <p:grpSpPr>
           <a:xfrm>
-            <a:off x="13504595" y="3348094"/>
-            <a:ext cx="3486007" cy="6457513"/>
-            <a:chOff x="13504595" y="3348094"/>
-            <a:chExt cx="3486007" cy="6457513"/>
+            <a:off x="9744816" y="2995124"/>
+            <a:ext cx="3486623" cy="35192"/>
+            <a:chOff x="9744816" y="2995124"/>
+            <a:chExt cx="3486623" cy="35192"/>
           </a:xfrm>
         </p:grpSpPr>
         <p:pic>
@@ -4200,8 +4059,8 @@
           </p:blipFill>
           <p:spPr>
             <a:xfrm>
-              <a:off x="13504595" y="3348094"/>
-              <a:ext cx="3486007" cy="6457513"/>
+              <a:off x="9744816" y="2995124"/>
+              <a:ext cx="3486623" cy="35192"/>
             </a:xfrm>
             <a:prstGeom prst="rect">
               <a:avLst/>
@@ -4217,10 +4076,10 @@
         </p:nvGrpSpPr>
         <p:grpSpPr>
           <a:xfrm>
-            <a:off x="7399546" y="3348094"/>
-            <a:ext cx="3486623" cy="4433735"/>
-            <a:chOff x="7399546" y="3348094"/>
-            <a:chExt cx="3486623" cy="4433735"/>
+            <a:off x="14381307" y="2977528"/>
+            <a:ext cx="3486007" cy="35192"/>
+            <a:chOff x="14381307" y="2977528"/>
+            <a:chExt cx="3486007" cy="35192"/>
           </a:xfrm>
         </p:grpSpPr>
         <p:pic>
@@ -4239,8 +4098,71 @@
           </p:blipFill>
           <p:spPr>
             <a:xfrm>
-              <a:off x="7399546" y="3348094"/>
-              <a:ext cx="3486623" cy="4433735"/>
+              <a:off x="14381307" y="2977528"/>
+              <a:ext cx="3486007" cy="35192"/>
+            </a:xfrm>
+            <a:prstGeom prst="rect">
+              <a:avLst/>
+            </a:prstGeom>
+          </p:spPr>
+        </p:pic>
+      </p:grpSp>
+      <p:pic>
+        <p:nvPicPr>
+          <p:cNvPr id="27" name="Object 26"/>
+          <p:cNvPicPr>
+            <a:picLocks noChangeAspect="1"/>
+          </p:cNvPicPr>
+          <p:nvPr/>
+        </p:nvPicPr>
+        <p:blipFill>
+          <a:blip r:embed="rId13" cstate="print"/>
+          <a:stretch>
+            <a:fillRect/>
+          </a:stretch>
+        </p:blipFill>
+        <p:spPr>
+          <a:xfrm>
+            <a:off x="15105050" y="1898345"/>
+            <a:ext cx="1825040" cy="958383"/>
+          </a:xfrm>
+          <a:prstGeom prst="rect">
+            <a:avLst/>
+          </a:prstGeom>
+        </p:spPr>
+      </p:pic>
+      <p:grpSp>
+        <p:nvGrpSpPr>
+          <p:cNvPr id="1008" name="그룹 1008"/>
+          <p:cNvGrpSpPr/>
+          <p:nvPr/>
+        </p:nvGrpSpPr>
+        <p:grpSpPr>
+          <a:xfrm>
+            <a:off x="4938797" y="3444861"/>
+            <a:ext cx="3928654" cy="2988947"/>
+            <a:chOff x="4938797" y="3444861"/>
+            <a:chExt cx="3928654" cy="2988947"/>
+          </a:xfrm>
+        </p:grpSpPr>
+        <p:pic>
+          <p:nvPicPr>
+            <p:cNvPr id="29" name="Object 28"/>
+            <p:cNvPicPr>
+              <a:picLocks noChangeAspect="1"/>
+            </p:cNvPicPr>
+            <p:nvPr/>
+          </p:nvPicPr>
+          <p:blipFill>
+            <a:blip r:embed="rId14" cstate="print"/>
+            <a:stretch>
+              <a:fillRect/>
+            </a:stretch>
+          </p:blipFill>
+          <p:spPr>
+            <a:xfrm>
+              <a:off x="4938797" y="3444861"/>
+              <a:ext cx="3928654" cy="2988947"/>
             </a:xfrm>
             <a:prstGeom prst="rect">
               <a:avLst/>
@@ -4250,36 +4172,114 @@
       </p:grpSp>
       <p:grpSp>
         <p:nvGrpSpPr>
-          <p:cNvPr id="1008" name="그룹 1008"/>
+          <p:cNvPr id="1009" name="그룹 1009"/>
           <p:cNvGrpSpPr/>
           <p:nvPr/>
         </p:nvGrpSpPr>
         <p:grpSpPr>
           <a:xfrm>
-            <a:off x="982967" y="3348094"/>
-            <a:ext cx="3486007" cy="2845506"/>
-            <a:chOff x="982967" y="3348094"/>
-            <a:chExt cx="3486007" cy="2845506"/>
+            <a:off x="9534796" y="3444861"/>
+            <a:ext cx="3944759" cy="2416306"/>
+            <a:chOff x="9534796" y="3444861"/>
+            <a:chExt cx="3944759" cy="2416306"/>
           </a:xfrm>
         </p:grpSpPr>
         <p:pic>
           <p:nvPicPr>
-            <p:cNvPr id="28" name="Object 27"/>
+            <p:cNvPr id="32" name="Object 31"/>
             <p:cNvPicPr>
               <a:picLocks noChangeAspect="1"/>
             </p:cNvPicPr>
             <p:nvPr/>
           </p:nvPicPr>
           <p:blipFill>
-            <a:blip r:embed="rId13" cstate="print"/>
+            <a:blip r:embed="rId15" cstate="print"/>
             <a:stretch>
               <a:fillRect/>
             </a:stretch>
           </p:blipFill>
           <p:spPr>
             <a:xfrm>
-              <a:off x="982967" y="3348094"/>
-              <a:ext cx="3486007" cy="2845506"/>
+              <a:off x="9534796" y="3444861"/>
+              <a:ext cx="3944759" cy="2416306"/>
+            </a:xfrm>
+            <a:prstGeom prst="rect">
+              <a:avLst/>
+            </a:prstGeom>
+          </p:spPr>
+        </p:pic>
+      </p:grpSp>
+      <p:grpSp>
+        <p:nvGrpSpPr>
+          <p:cNvPr id="1010" name="그룹 1010"/>
+          <p:cNvGrpSpPr/>
+          <p:nvPr/>
+        </p:nvGrpSpPr>
+        <p:grpSpPr>
+          <a:xfrm>
+            <a:off x="14237981" y="3413764"/>
+            <a:ext cx="3772660" cy="4477856"/>
+            <a:chOff x="14237981" y="3413764"/>
+            <a:chExt cx="3772660" cy="4477856"/>
+          </a:xfrm>
+        </p:grpSpPr>
+        <p:pic>
+          <p:nvPicPr>
+            <p:cNvPr id="35" name="Object 34"/>
+            <p:cNvPicPr>
+              <a:picLocks noChangeAspect="1"/>
+            </p:cNvPicPr>
+            <p:nvPr/>
+          </p:nvPicPr>
+          <p:blipFill>
+            <a:blip r:embed="rId16" cstate="print"/>
+            <a:stretch>
+              <a:fillRect/>
+            </a:stretch>
+          </p:blipFill>
+          <p:spPr>
+            <a:xfrm>
+              <a:off x="14237981" y="3413764"/>
+              <a:ext cx="3772660" cy="4477856"/>
+            </a:xfrm>
+            <a:prstGeom prst="rect">
+              <a:avLst/>
+            </a:prstGeom>
+          </p:spPr>
+        </p:pic>
+      </p:grpSp>
+      <p:grpSp>
+        <p:nvGrpSpPr>
+          <p:cNvPr id="1011" name="그룹 1011"/>
+          <p:cNvGrpSpPr/>
+          <p:nvPr/>
+        </p:nvGrpSpPr>
+        <p:grpSpPr>
+          <a:xfrm>
+            <a:off x="342812" y="3444861"/>
+            <a:ext cx="3879673" cy="3158672"/>
+            <a:chOff x="342812" y="3444861"/>
+            <a:chExt cx="3879673" cy="3158672"/>
+          </a:xfrm>
+        </p:grpSpPr>
+        <p:pic>
+          <p:nvPicPr>
+            <p:cNvPr id="38" name="Object 37"/>
+            <p:cNvPicPr>
+              <a:picLocks noChangeAspect="1"/>
+            </p:cNvPicPr>
+            <p:nvPr/>
+          </p:nvPicPr>
+          <p:blipFill>
+            <a:blip r:embed="rId17" cstate="print"/>
+            <a:stretch>
+              <a:fillRect/>
+            </a:stretch>
+          </p:blipFill>
+          <p:spPr>
+            <a:xfrm>
+              <a:off x="342812" y="3444861"/>
+              <a:ext cx="3879673" cy="3158672"/>
             </a:xfrm>
             <a:prstGeom prst="rect">
               <a:avLst/>
